--- a/Seminarski/Prezentacija/OpenFaaS.pptx
+++ b/Seminarski/Prezentacija/OpenFaaS.pptx
@@ -6645,11 +6645,15 @@
             </a:r>
             <a:r>
               <a:rPr lang="en-US" dirty="0" err="1"/>
-              <a:t>mozemo</a:t>
-            </a:r>
-            <a:r>
-              <a:rPr lang="en-US" dirty="0"/>
-              <a:t> </a:t>
+              <a:t>mo</a:t>
+            </a:r>
+            <a:r>
+              <a:rPr lang="sr-Latn-RS" dirty="0"/>
+              <a:t>ž</a:t>
+            </a:r>
+            <a:r>
+              <a:rPr lang="en-US" dirty="0"/>
+              <a:t>emo </a:t>
             </a:r>
             <a:r>
               <a:rPr lang="en-US" dirty="0" err="1"/>
@@ -7523,8 +7527,21 @@
                   <a:schemeClr val="accent1"/>
                 </a:solidFill>
               </a:rPr>
-              <a:t> get kind</a:t>
-            </a:r>
+              <a:t> get</a:t>
+            </a:r>
+            <a:r>
+              <a:rPr lang="sr-Latn-RS" i="1" u="sng" dirty="0">
+                <a:solidFill>
+                  <a:schemeClr val="accent1"/>
+                </a:solidFill>
+              </a:rPr>
+              <a:t> faas-cli</a:t>
+            </a:r>
+            <a:endParaRPr lang="en-US" i="1" u="sng" dirty="0">
+              <a:solidFill>
+                <a:schemeClr val="accent1"/>
+              </a:solidFill>
+            </a:endParaRPr>
           </a:p>
           <a:p>
             <a:r>
@@ -8359,7 +8376,7 @@
                   <a:schemeClr val="accent1"/>
                 </a:solidFill>
               </a:rPr>
-              <a:t>faas-cli login –password </a:t>
+              <a:t>./faas-cli login –password </a:t>
             </a:r>
             <a:r>
               <a:rPr lang="en-US" i="1" u="sng" dirty="0">
@@ -8387,6 +8404,14 @@
             </a:r>
           </a:p>
           <a:p>
+            <a:r>
+              <a:rPr lang="sr-Latn-RS" i="1" u="sng" dirty="0">
+                <a:solidFill>
+                  <a:schemeClr val="accent1"/>
+                </a:solidFill>
+              </a:rPr>
+              <a:t>./</a:t>
+            </a:r>
             <a:r>
               <a:rPr lang="en-US" i="1" u="sng" dirty="0" err="1">
                 <a:solidFill>
@@ -8796,6 +8821,11 @@
               <a:rPr lang="sr-Latn-RS" dirty="0"/>
               <a:t>Fokus je na aplikaciji, ne na infrastrukturi</a:t>
             </a:r>
+            <a:r>
+              <a:rPr lang="en-US" dirty="0"/>
+              <a:t>.</a:t>
+            </a:r>
+            <a:endParaRPr lang="sr-Latn-RS" dirty="0"/>
           </a:p>
         </p:txBody>
       </p:sp>
@@ -8918,30 +8948,55 @@
               <a:rPr lang="sr-Latn-RS" dirty="0"/>
               <a:t>FaaS je podskup serverless racunarstva koji je fokusiran na event-driven trigerima gde se funkcija, kod, pokreće kao odgovor na događaje ili zahteve</a:t>
             </a:r>
+            <a:r>
+              <a:rPr lang="en-US" dirty="0"/>
+              <a:t>.</a:t>
+            </a:r>
+            <a:endParaRPr lang="sr-Latn-RS" dirty="0"/>
           </a:p>
           <a:p>
             <a:r>
               <a:rPr lang="sr-Latn-RS" dirty="0"/>
               <a:t>Najčešće se koristi kod izgradnji mikroservisnih aplikacija</a:t>
             </a:r>
+            <a:r>
+              <a:rPr lang="en-US" dirty="0"/>
+              <a:t>.</a:t>
+            </a:r>
+            <a:endParaRPr lang="sr-Latn-RS" dirty="0"/>
           </a:p>
           <a:p>
             <a:r>
               <a:rPr lang="sr-Latn-RS" dirty="0"/>
               <a:t>Server koji izvršava funkcije je aktivan samo tokom njenog izvršenja</a:t>
             </a:r>
+            <a:r>
+              <a:rPr lang="en-US" dirty="0"/>
+              <a:t>.</a:t>
+            </a:r>
+            <a:endParaRPr lang="sr-Latn-RS" dirty="0"/>
           </a:p>
           <a:p>
             <a:r>
               <a:rPr lang="sr-Latn-RS" dirty="0"/>
               <a:t>Kada se funkcija izvrši, server se gasi i omogućavajući da se računarski resursi dodele negde drugde</a:t>
             </a:r>
+            <a:r>
+              <a:rPr lang="en-US" dirty="0"/>
+              <a:t>.</a:t>
+            </a:r>
+            <a:endParaRPr lang="sr-Latn-RS" dirty="0"/>
           </a:p>
           <a:p>
             <a:r>
               <a:rPr lang="sr-Latn-RS" dirty="0"/>
               <a:t>Plaćaju se samo resursi koje koristimo, kada ih koristimo</a:t>
             </a:r>
+            <a:r>
+              <a:rPr lang="en-US" dirty="0"/>
+              <a:t>.</a:t>
+            </a:r>
+            <a:endParaRPr lang="sr-Latn-RS" dirty="0"/>
           </a:p>
           <a:p>
             <a:endParaRPr lang="en-US" dirty="0"/>
@@ -10144,6 +10199,11 @@
               <a:rPr lang="sr-Latn-RS" dirty="0"/>
               <a:t>NATS – koristi se za asinhrono izvršenje funkcija</a:t>
             </a:r>
+            <a:r>
+              <a:rPr lang="en-US" dirty="0"/>
+              <a:t>.</a:t>
+            </a:r>
+            <a:endParaRPr lang="sr-Latn-RS" dirty="0"/>
           </a:p>
           <a:p>
             <a:pPr marL="0" indent="0">

--- a/Seminarski/Prezentacija/OpenFaaS.pptx
+++ b/Seminarski/Prezentacija/OpenFaaS.pptx
@@ -875,7 +875,7 @@
           <a:p>
             <a:fld id="{73CB9588-A939-415D-A08D-FC1BEC94AAC7}" type="datetimeFigureOut">
               <a:rPr lang="en-US" smtClean="0"/>
-              <a:t>5/21/2022</a:t>
+              <a:t>5/22/2022</a:t>
             </a:fld>
             <a:endParaRPr lang="en-US"/>
           </a:p>
@@ -1126,7 +1126,7 @@
           <a:p>
             <a:fld id="{73CB9588-A939-415D-A08D-FC1BEC94AAC7}" type="datetimeFigureOut">
               <a:rPr lang="en-US" smtClean="0"/>
-              <a:t>5/21/2022</a:t>
+              <a:t>5/22/2022</a:t>
             </a:fld>
             <a:endParaRPr lang="en-US"/>
           </a:p>
@@ -1440,7 +1440,7 @@
           <a:p>
             <a:fld id="{73CB9588-A939-415D-A08D-FC1BEC94AAC7}" type="datetimeFigureOut">
               <a:rPr lang="en-US" smtClean="0"/>
-              <a:t>5/21/2022</a:t>
+              <a:t>5/22/2022</a:t>
             </a:fld>
             <a:endParaRPr lang="en-US"/>
           </a:p>
@@ -1773,7 +1773,7 @@
           <a:p>
             <a:fld id="{73CB9588-A939-415D-A08D-FC1BEC94AAC7}" type="datetimeFigureOut">
               <a:rPr lang="en-US" smtClean="0"/>
-              <a:t>5/21/2022</a:t>
+              <a:t>5/22/2022</a:t>
             </a:fld>
             <a:endParaRPr lang="en-US"/>
           </a:p>
@@ -2087,7 +2087,7 @@
           <a:p>
             <a:fld id="{73CB9588-A939-415D-A08D-FC1BEC94AAC7}" type="datetimeFigureOut">
               <a:rPr lang="en-US" smtClean="0"/>
-              <a:t>5/21/2022</a:t>
+              <a:t>5/22/2022</a:t>
             </a:fld>
             <a:endParaRPr lang="en-US"/>
           </a:p>
@@ -2480,7 +2480,7 @@
           <a:p>
             <a:fld id="{73CB9588-A939-415D-A08D-FC1BEC94AAC7}" type="datetimeFigureOut">
               <a:rPr lang="en-US" smtClean="0"/>
-              <a:t>5/21/2022</a:t>
+              <a:t>5/22/2022</a:t>
             </a:fld>
             <a:endParaRPr lang="en-US"/>
           </a:p>
@@ -2650,7 +2650,7 @@
           <a:p>
             <a:fld id="{73CB9588-A939-415D-A08D-FC1BEC94AAC7}" type="datetimeFigureOut">
               <a:rPr lang="en-US" smtClean="0"/>
-              <a:t>5/21/2022</a:t>
+              <a:t>5/22/2022</a:t>
             </a:fld>
             <a:endParaRPr lang="en-US"/>
           </a:p>
@@ -2830,7 +2830,7 @@
           <a:p>
             <a:fld id="{73CB9588-A939-415D-A08D-FC1BEC94AAC7}" type="datetimeFigureOut">
               <a:rPr lang="en-US" smtClean="0"/>
-              <a:t>5/21/2022</a:t>
+              <a:t>5/22/2022</a:t>
             </a:fld>
             <a:endParaRPr lang="en-US"/>
           </a:p>
@@ -3000,7 +3000,7 @@
           <a:p>
             <a:fld id="{73CB9588-A939-415D-A08D-FC1BEC94AAC7}" type="datetimeFigureOut">
               <a:rPr lang="en-US" smtClean="0"/>
-              <a:t>5/21/2022</a:t>
+              <a:t>5/22/2022</a:t>
             </a:fld>
             <a:endParaRPr lang="en-US"/>
           </a:p>
@@ -3247,7 +3247,7 @@
           <a:p>
             <a:fld id="{73CB9588-A939-415D-A08D-FC1BEC94AAC7}" type="datetimeFigureOut">
               <a:rPr lang="en-US" smtClean="0"/>
-              <a:t>5/21/2022</a:t>
+              <a:t>5/22/2022</a:t>
             </a:fld>
             <a:endParaRPr lang="en-US"/>
           </a:p>
@@ -3479,7 +3479,7 @@
           <a:p>
             <a:fld id="{73CB9588-A939-415D-A08D-FC1BEC94AAC7}" type="datetimeFigureOut">
               <a:rPr lang="en-US" smtClean="0"/>
-              <a:t>5/21/2022</a:t>
+              <a:t>5/22/2022</a:t>
             </a:fld>
             <a:endParaRPr lang="en-US"/>
           </a:p>
@@ -3853,7 +3853,7 @@
           <a:p>
             <a:fld id="{73CB9588-A939-415D-A08D-FC1BEC94AAC7}" type="datetimeFigureOut">
               <a:rPr lang="en-US" smtClean="0"/>
-              <a:t>5/21/2022</a:t>
+              <a:t>5/22/2022</a:t>
             </a:fld>
             <a:endParaRPr lang="en-US"/>
           </a:p>
@@ -3976,7 +3976,7 @@
           <a:p>
             <a:fld id="{73CB9588-A939-415D-A08D-FC1BEC94AAC7}" type="datetimeFigureOut">
               <a:rPr lang="en-US" smtClean="0"/>
-              <a:t>5/21/2022</a:t>
+              <a:t>5/22/2022</a:t>
             </a:fld>
             <a:endParaRPr lang="en-US"/>
           </a:p>
@@ -4071,7 +4071,7 @@
           <a:p>
             <a:fld id="{73CB9588-A939-415D-A08D-FC1BEC94AAC7}" type="datetimeFigureOut">
               <a:rPr lang="en-US" smtClean="0"/>
-              <a:t>5/21/2022</a:t>
+              <a:t>5/22/2022</a:t>
             </a:fld>
             <a:endParaRPr lang="en-US"/>
           </a:p>
@@ -4326,7 +4326,7 @@
           <a:p>
             <a:fld id="{73CB9588-A939-415D-A08D-FC1BEC94AAC7}" type="datetimeFigureOut">
               <a:rPr lang="en-US" smtClean="0"/>
-              <a:t>5/21/2022</a:t>
+              <a:t>5/22/2022</a:t>
             </a:fld>
             <a:endParaRPr lang="en-US"/>
           </a:p>
@@ -4631,7 +4631,7 @@
           <a:p>
             <a:fld id="{73CB9588-A939-415D-A08D-FC1BEC94AAC7}" type="datetimeFigureOut">
               <a:rPr lang="en-US" smtClean="0"/>
-              <a:t>5/21/2022</a:t>
+              <a:t>5/22/2022</a:t>
             </a:fld>
             <a:endParaRPr lang="en-US"/>
           </a:p>
@@ -5333,7 +5333,7 @@
           <a:p>
             <a:fld id="{73CB9588-A939-415D-A08D-FC1BEC94AAC7}" type="datetimeFigureOut">
               <a:rPr lang="en-US" smtClean="0"/>
-              <a:t>5/21/2022</a:t>
+              <a:t>5/22/2022</a:t>
             </a:fld>
             <a:endParaRPr lang="en-US"/>
           </a:p>
@@ -7172,12 +7172,12 @@
               <a:t> </a:t>
             </a:r>
             <a:r>
-              <a:rPr lang="en-US" dirty="0" err="1"/>
-              <a:t>funkcije</a:t>
-            </a:r>
-            <a:r>
-              <a:rPr lang="en-US" dirty="0"/>
-              <a:t> I </a:t>
+              <a:rPr lang="sr-Latn-RS" dirty="0"/>
+              <a:t>i</a:t>
+            </a:r>
+            <a:r>
+              <a:rPr lang="en-US" dirty="0"/>
+              <a:t> </a:t>
             </a:r>
             <a:r>
               <a:rPr lang="en-US" dirty="0" err="1"/>
@@ -7189,7 +7189,11 @@
             </a:r>
             <a:r>
               <a:rPr lang="en-US" dirty="0" err="1"/>
-              <a:t>funkcije</a:t>
+              <a:t>funkcij</a:t>
+            </a:r>
+            <a:r>
+              <a:rPr lang="sr-Latn-RS" dirty="0"/>
+              <a:t>a</a:t>
             </a:r>
             <a:r>
               <a:rPr lang="en-US" dirty="0"/>
@@ -8177,7 +8181,7 @@
             </a:r>
             <a:r>
               <a:rPr lang="sr-Latn-RS" dirty="0"/>
-              <a:t>šu aplikaciju menjamo fajl handler.xy pisajući našu funkciju.</a:t>
+              <a:t>šu aplikaciju menjamo fajl handler.xy, pišući našu funkciju.</a:t>
             </a:r>
           </a:p>
           <a:p>
@@ -8946,7 +8950,7 @@
           <a:p>
             <a:r>
               <a:rPr lang="sr-Latn-RS" dirty="0"/>
-              <a:t>FaaS je podskup serverless racunarstva koji je fokusiran na event-driven trigerima gde se funkcija, kod, pokreće kao odgovor na događaje ili zahteve</a:t>
+              <a:t>FaaS je podskup serverless računarstva koji je fokusiran na event-driven trigerima gde se funkcija, kod, pokreće kao odgovor na događaje ili zahteve</a:t>
             </a:r>
             <a:r>
               <a:rPr lang="en-US" dirty="0"/>
@@ -9268,7 +9272,7 @@
           <a:p>
             <a:r>
               <a:rPr lang="sr-Latn-RS" dirty="0"/>
-              <a:t>Osnovao ga je Alex Ellis 2016. godine</a:t>
+              <a:t>Osnovao ga je Alex Ellis 2016. godine.</a:t>
             </a:r>
             <a:endParaRPr lang="en-US" dirty="0"/>
           </a:p>
@@ -9285,6 +9289,11 @@
               <a:rPr lang="en-US" dirty="0"/>
               <a:t> </a:t>
             </a:r>
+            <a:r>
+              <a:rPr lang="sr-Latn-RS" dirty="0"/>
+              <a:t>.</a:t>
+            </a:r>
+            <a:endParaRPr lang="en-US" dirty="0"/>
           </a:p>
           <a:p>
             <a:r>
@@ -9295,7 +9304,10 @@
               <a:rPr lang="en-US" dirty="0" err="1"/>
               <a:t>licenciran</a:t>
             </a:r>
-            <a:endParaRPr lang="sr-Latn-RS" dirty="0"/>
+            <a:r>
+              <a:rPr lang="sr-Latn-RS" dirty="0"/>
+              <a:t>.</a:t>
+            </a:r>
           </a:p>
           <a:p>
             <a:endParaRPr lang="sr-Latn-RS" dirty="0"/>
